--- a/PPT/미세한 날씨 리소스 제작_VER2.pptx
+++ b/PPT/미세한 날씨 리소스 제작_VER2.pptx
@@ -266,7 +266,7 @@
           <a:p>
             <a:fld id="{7DAE3867-FBF6-440F-8F29-7D260BC87803}" type="datetimeFigureOut">
               <a:rPr lang="ko-KR" altLang="en-US" smtClean="0"/>
-              <a:t>2018-05-24</a:t>
+              <a:t>2018-05-28</a:t>
             </a:fld>
             <a:endParaRPr lang="ko-KR" altLang="en-US"/>
           </a:p>
@@ -464,7 +464,7 @@
           <a:p>
             <a:fld id="{7DAE3867-FBF6-440F-8F29-7D260BC87803}" type="datetimeFigureOut">
               <a:rPr lang="ko-KR" altLang="en-US" smtClean="0"/>
-              <a:t>2018-05-24</a:t>
+              <a:t>2018-05-28</a:t>
             </a:fld>
             <a:endParaRPr lang="ko-KR" altLang="en-US"/>
           </a:p>
@@ -672,7 +672,7 @@
           <a:p>
             <a:fld id="{7DAE3867-FBF6-440F-8F29-7D260BC87803}" type="datetimeFigureOut">
               <a:rPr lang="ko-KR" altLang="en-US" smtClean="0"/>
-              <a:t>2018-05-24</a:t>
+              <a:t>2018-05-28</a:t>
             </a:fld>
             <a:endParaRPr lang="ko-KR" altLang="en-US"/>
           </a:p>
@@ -870,7 +870,7 @@
           <a:p>
             <a:fld id="{7DAE3867-FBF6-440F-8F29-7D260BC87803}" type="datetimeFigureOut">
               <a:rPr lang="ko-KR" altLang="en-US" smtClean="0"/>
-              <a:t>2018-05-24</a:t>
+              <a:t>2018-05-28</a:t>
             </a:fld>
             <a:endParaRPr lang="ko-KR" altLang="en-US"/>
           </a:p>
@@ -1145,7 +1145,7 @@
           <a:p>
             <a:fld id="{7DAE3867-FBF6-440F-8F29-7D260BC87803}" type="datetimeFigureOut">
               <a:rPr lang="ko-KR" altLang="en-US" smtClean="0"/>
-              <a:t>2018-05-24</a:t>
+              <a:t>2018-05-28</a:t>
             </a:fld>
             <a:endParaRPr lang="ko-KR" altLang="en-US"/>
           </a:p>
@@ -1410,7 +1410,7 @@
           <a:p>
             <a:fld id="{7DAE3867-FBF6-440F-8F29-7D260BC87803}" type="datetimeFigureOut">
               <a:rPr lang="ko-KR" altLang="en-US" smtClean="0"/>
-              <a:t>2018-05-24</a:t>
+              <a:t>2018-05-28</a:t>
             </a:fld>
             <a:endParaRPr lang="ko-KR" altLang="en-US"/>
           </a:p>
@@ -1822,7 +1822,7 @@
           <a:p>
             <a:fld id="{7DAE3867-FBF6-440F-8F29-7D260BC87803}" type="datetimeFigureOut">
               <a:rPr lang="ko-KR" altLang="en-US" smtClean="0"/>
-              <a:t>2018-05-24</a:t>
+              <a:t>2018-05-28</a:t>
             </a:fld>
             <a:endParaRPr lang="ko-KR" altLang="en-US"/>
           </a:p>
@@ -1963,7 +1963,7 @@
           <a:p>
             <a:fld id="{7DAE3867-FBF6-440F-8F29-7D260BC87803}" type="datetimeFigureOut">
               <a:rPr lang="ko-KR" altLang="en-US" smtClean="0"/>
-              <a:t>2018-05-24</a:t>
+              <a:t>2018-05-28</a:t>
             </a:fld>
             <a:endParaRPr lang="ko-KR" altLang="en-US"/>
           </a:p>
@@ -2076,7 +2076,7 @@
           <a:p>
             <a:fld id="{7DAE3867-FBF6-440F-8F29-7D260BC87803}" type="datetimeFigureOut">
               <a:rPr lang="ko-KR" altLang="en-US" smtClean="0"/>
-              <a:t>2018-05-24</a:t>
+              <a:t>2018-05-28</a:t>
             </a:fld>
             <a:endParaRPr lang="ko-KR" altLang="en-US"/>
           </a:p>
@@ -2387,7 +2387,7 @@
           <a:p>
             <a:fld id="{7DAE3867-FBF6-440F-8F29-7D260BC87803}" type="datetimeFigureOut">
               <a:rPr lang="ko-KR" altLang="en-US" smtClean="0"/>
-              <a:t>2018-05-24</a:t>
+              <a:t>2018-05-28</a:t>
             </a:fld>
             <a:endParaRPr lang="ko-KR" altLang="en-US"/>
           </a:p>
@@ -2675,7 +2675,7 @@
           <a:p>
             <a:fld id="{7DAE3867-FBF6-440F-8F29-7D260BC87803}" type="datetimeFigureOut">
               <a:rPr lang="ko-KR" altLang="en-US" smtClean="0"/>
-              <a:t>2018-05-24</a:t>
+              <a:t>2018-05-28</a:t>
             </a:fld>
             <a:endParaRPr lang="ko-KR" altLang="en-US"/>
           </a:p>
@@ -2916,7 +2916,7 @@
           <a:p>
             <a:fld id="{7DAE3867-FBF6-440F-8F29-7D260BC87803}" type="datetimeFigureOut">
               <a:rPr lang="ko-KR" altLang="en-US" smtClean="0"/>
-              <a:t>2018-05-24</a:t>
+              <a:t>2018-05-28</a:t>
             </a:fld>
             <a:endParaRPr lang="ko-KR" altLang="en-US"/>
           </a:p>
@@ -4870,7 +4870,7 @@
         </p:nvSpPr>
         <p:spPr>
           <a:xfrm>
-            <a:off x="9192345" y="2866721"/>
+            <a:off x="9170281" y="2866720"/>
             <a:ext cx="778110" cy="752705"/>
           </a:xfrm>
           <a:custGeom>
@@ -10446,7 +10446,7 @@
         </p:blipFill>
         <p:spPr>
           <a:xfrm>
-            <a:off x="403394" y="1320684"/>
+            <a:off x="119820" y="1321207"/>
             <a:ext cx="3590925" cy="5162400"/>
           </a:xfrm>
           <a:prstGeom prst="roundRect">
@@ -10485,8 +10485,8 @@
         </p:nvSpPr>
         <p:spPr>
           <a:xfrm>
-            <a:off x="1684662" y="1771407"/>
-            <a:ext cx="1028389" cy="315416"/>
+            <a:off x="5137282" y="2703773"/>
+            <a:ext cx="685616" cy="210284"/>
           </a:xfrm>
           <a:prstGeom prst="roundRect">
             <a:avLst/>
@@ -10494,9 +10494,7 @@
           <a:noFill/>
           <a:ln w="19050">
             <a:solidFill>
-              <a:schemeClr val="accent2">
-                <a:lumMod val="75000"/>
-              </a:schemeClr>
+              <a:srgbClr val="669E40"/>
             </a:solidFill>
           </a:ln>
         </p:spPr>
@@ -10524,7 +10522,7 @@
             <a:r>
               <a:rPr lang="ko-KR" altLang="en-US" sz="1600" dirty="0">
                 <a:solidFill>
-                  <a:schemeClr val="accent2">
+                  <a:schemeClr val="accent3">
                     <a:lumMod val="75000"/>
                   </a:schemeClr>
                 </a:solidFill>
@@ -14358,12 +14356,162 @@
           </p:sp>
         </p:grpSp>
       </p:grpSp>
+      <p:sp>
+        <p:nvSpPr>
+          <p:cNvPr id="87" name="사각형: 둥근 모서리 86">
+            <a:extLst>
+              <a:ext uri="{FF2B5EF4-FFF2-40B4-BE49-F238E27FC236}">
+                <a16:creationId xmlns:a16="http://schemas.microsoft.com/office/drawing/2014/main" id="{3F363E58-39A7-4414-A596-E3283F4DB644}"/>
+              </a:ext>
+            </a:extLst>
+          </p:cNvPr>
+          <p:cNvSpPr>
+            <a:spLocks/>
+          </p:cNvSpPr>
+          <p:nvPr/>
+        </p:nvSpPr>
+        <p:spPr>
+          <a:xfrm>
+            <a:off x="6908195" y="1172538"/>
+            <a:ext cx="229616" cy="266937"/>
+          </a:xfrm>
+          <a:prstGeom prst="roundRect">
+            <a:avLst/>
+          </a:prstGeom>
+          <a:solidFill>
+            <a:schemeClr val="bg1"/>
+          </a:solidFill>
+          <a:ln>
+            <a:solidFill>
+              <a:schemeClr val="bg1">
+                <a:lumMod val="65000"/>
+              </a:schemeClr>
+            </a:solidFill>
+          </a:ln>
+          <a:effectLst/>
+        </p:spPr>
+        <p:style>
+          <a:lnRef idx="2">
+            <a:schemeClr val="accent1">
+              <a:shade val="50000"/>
+            </a:schemeClr>
+          </a:lnRef>
+          <a:fillRef idx="1">
+            <a:schemeClr val="accent1"/>
+          </a:fillRef>
+          <a:effectRef idx="0">
+            <a:schemeClr val="accent1"/>
+          </a:effectRef>
+          <a:fontRef idx="minor">
+            <a:schemeClr val="lt1"/>
+          </a:fontRef>
+        </p:style>
+        <p:txBody>
+          <a:bodyPr rtlCol="0" anchor="ctr"/>
+          <a:lstStyle/>
+          <a:p>
+            <a:pPr algn="ctr"/>
+            <a:endParaRPr lang="ko-KR" altLang="en-US" dirty="0"/>
+          </a:p>
+        </p:txBody>
+      </p:sp>
+      <p:sp>
+        <p:nvSpPr>
+          <p:cNvPr id="88" name="TextBox 87">
+            <a:extLst>
+              <a:ext uri="{FF2B5EF4-FFF2-40B4-BE49-F238E27FC236}">
+                <a16:creationId xmlns:a16="http://schemas.microsoft.com/office/drawing/2014/main" id="{7A96BB8F-BA78-46E4-A3D3-5F8CEAD3A9A1}"/>
+              </a:ext>
+            </a:extLst>
+          </p:cNvPr>
+          <p:cNvSpPr txBox="1"/>
+          <p:nvPr/>
+        </p:nvSpPr>
+        <p:spPr>
+          <a:xfrm>
+            <a:off x="5535184" y="1300149"/>
+            <a:ext cx="351400" cy="200055"/>
+          </a:xfrm>
+          <a:prstGeom prst="rect">
+            <a:avLst/>
+          </a:prstGeom>
+          <a:noFill/>
+        </p:spPr>
+        <p:txBody>
+          <a:bodyPr wrap="square" rtlCol="0">
+            <a:spAutoFit/>
+          </a:bodyPr>
+          <a:lstStyle/>
+          <a:p>
+            <a:r>
+              <a:rPr lang="en-US" altLang="ko-KR" sz="700" dirty="0">
+                <a:solidFill>
+                  <a:schemeClr val="accent2">
+                    <a:lumMod val="75000"/>
+                  </a:schemeClr>
+                </a:solidFill>
+              </a:rPr>
+              <a:t>23.8</a:t>
+            </a:r>
+            <a:endParaRPr lang="ko-KR" altLang="en-US" sz="700" dirty="0">
+              <a:solidFill>
+                <a:schemeClr val="accent2">
+                  <a:lumMod val="75000"/>
+                </a:schemeClr>
+              </a:solidFill>
+            </a:endParaRPr>
+          </a:p>
+        </p:txBody>
+      </p:sp>
+      <p:sp>
+        <p:nvSpPr>
+          <p:cNvPr id="89" name="TextBox 88">
+            <a:extLst>
+              <a:ext uri="{FF2B5EF4-FFF2-40B4-BE49-F238E27FC236}">
+                <a16:creationId xmlns:a16="http://schemas.microsoft.com/office/drawing/2014/main" id="{E8424B64-8E5F-443C-99CD-EE7597B655D3}"/>
+              </a:ext>
+            </a:extLst>
+          </p:cNvPr>
+          <p:cNvSpPr txBox="1"/>
+          <p:nvPr/>
+        </p:nvSpPr>
+        <p:spPr>
+          <a:xfrm>
+            <a:off x="6842108" y="861801"/>
+            <a:ext cx="375213" cy="200055"/>
+          </a:xfrm>
+          <a:prstGeom prst="rect">
+            <a:avLst/>
+          </a:prstGeom>
+          <a:noFill/>
+        </p:spPr>
+        <p:txBody>
+          <a:bodyPr wrap="square" rtlCol="0">
+            <a:spAutoFit/>
+          </a:bodyPr>
+          <a:lstStyle/>
+          <a:p>
+            <a:r>
+              <a:rPr lang="ko-KR" altLang="en-US" sz="700" b="1" dirty="0">
+                <a:solidFill>
+                  <a:schemeClr val="bg2">
+                    <a:lumMod val="50000"/>
+                  </a:schemeClr>
+                </a:solidFill>
+                <a:latin typeface="HY견고딕" panose="02030600000101010101" pitchFamily="18" charset="-127"/>
+                <a:ea typeface="HY견고딕" panose="02030600000101010101" pitchFamily="18" charset="-127"/>
+              </a:rPr>
+              <a:t>서울</a:t>
+            </a:r>
+          </a:p>
+        </p:txBody>
+      </p:sp>
       <p:grpSp>
         <p:nvGrpSpPr>
-          <p:cNvPr id="86" name="그룹 85">
+          <p:cNvPr id="90" name="그룹 89">
             <a:extLst>
               <a:ext uri="{FF2B5EF4-FFF2-40B4-BE49-F238E27FC236}">
-                <a16:creationId xmlns:a16="http://schemas.microsoft.com/office/drawing/2014/main" id="{E53C34F6-4624-467E-A76F-1E2E0AA75D15}"/>
+                <a16:creationId xmlns:a16="http://schemas.microsoft.com/office/drawing/2014/main" id="{EA381728-8504-4A2A-BDAF-B690AD4FF201}"/>
               </a:ext>
             </a:extLst>
           </p:cNvPr>
@@ -14372,18 +14520,25 @@
         </p:nvGrpSpPr>
         <p:grpSpPr>
           <a:xfrm>
-            <a:off x="4826059" y="3451389"/>
-            <a:ext cx="375213" cy="497653"/>
-            <a:chOff x="2191693" y="2867892"/>
-            <a:chExt cx="375213" cy="497653"/>
+            <a:off x="5834152" y="1247547"/>
+            <a:ext cx="104864" cy="105203"/>
+            <a:chOff x="1637990" y="3303382"/>
+            <a:chExt cx="104864" cy="105203"/>
           </a:xfrm>
+          <a:effectLst>
+            <a:outerShdw blurRad="50800" dist="38100" dir="8100000" sx="85000" sy="85000" algn="tr" rotWithShape="0">
+              <a:prstClr val="black">
+                <a:alpha val="40000"/>
+              </a:prstClr>
+            </a:outerShdw>
+          </a:effectLst>
         </p:grpSpPr>
         <p:sp>
           <p:nvSpPr>
-            <p:cNvPr id="87" name="사각형: 둥근 모서리 86">
+            <p:cNvPr id="91" name="눈물 방울 90">
               <a:extLst>
                 <a:ext uri="{FF2B5EF4-FFF2-40B4-BE49-F238E27FC236}">
-                  <a16:creationId xmlns:a16="http://schemas.microsoft.com/office/drawing/2014/main" id="{3F363E58-39A7-4414-A596-E3283F4DB644}"/>
+                  <a16:creationId xmlns:a16="http://schemas.microsoft.com/office/drawing/2014/main" id="{8FC81B59-57C1-4E83-A7A1-0CE163FC218D}"/>
                 </a:ext>
               </a:extLst>
             </p:cNvPr>
@@ -14392,23 +14547,24 @@
           </p:nvSpPr>
           <p:spPr>
             <a:xfrm>
-              <a:off x="2244231" y="3024509"/>
-              <a:ext cx="270137" cy="314043"/>
+              <a:off x="1637990" y="3303382"/>
+              <a:ext cx="45720" cy="45722"/>
             </a:xfrm>
-            <a:prstGeom prst="roundRect">
-              <a:avLst/>
+            <a:prstGeom prst="teardrop">
+              <a:avLst>
+                <a:gd name="adj" fmla="val 125345"/>
+              </a:avLst>
             </a:prstGeom>
             <a:solidFill>
-              <a:schemeClr val="bg1"/>
+              <a:srgbClr val="4DADFF"/>
             </a:solidFill>
-            <a:ln>
+            <a:ln w="3175">
               <a:solidFill>
                 <a:schemeClr val="bg1">
                   <a:lumMod val="65000"/>
                 </a:schemeClr>
               </a:solidFill>
             </a:ln>
-            <a:effectLst/>
           </p:spPr>
           <p:style>
             <a:lnRef idx="2">
@@ -14431,303 +14587,126 @@
             <a:lstStyle/>
             <a:p>
               <a:pPr algn="ctr"/>
-              <a:endParaRPr lang="ko-KR" altLang="en-US" dirty="0"/>
+              <a:endParaRPr lang="ko-KR" altLang="en-US"/>
             </a:p>
           </p:txBody>
         </p:sp>
         <p:sp>
           <p:nvSpPr>
-            <p:cNvPr id="88" name="TextBox 87">
+            <p:cNvPr id="92" name="눈물 방울 91">
               <a:extLst>
                 <a:ext uri="{FF2B5EF4-FFF2-40B4-BE49-F238E27FC236}">
-                  <a16:creationId xmlns:a16="http://schemas.microsoft.com/office/drawing/2014/main" id="{7A96BB8F-BA78-46E4-A3D3-5F8CEAD3A9A1}"/>
+                  <a16:creationId xmlns:a16="http://schemas.microsoft.com/office/drawing/2014/main" id="{633DB36A-E482-42BC-B574-714F03000C3D}"/>
                 </a:ext>
               </a:extLst>
             </p:cNvPr>
-            <p:cNvSpPr txBox="1"/>
+            <p:cNvSpPr/>
             <p:nvPr/>
           </p:nvSpPr>
           <p:spPr>
             <a:xfrm>
-              <a:off x="2203599" y="3165490"/>
-              <a:ext cx="351400" cy="200055"/>
+              <a:off x="1637990" y="3362863"/>
+              <a:ext cx="45720" cy="45722"/>
             </a:xfrm>
-            <a:prstGeom prst="rect">
-              <a:avLst/>
+            <a:prstGeom prst="teardrop">
+              <a:avLst>
+                <a:gd name="adj" fmla="val 125345"/>
+              </a:avLst>
             </a:prstGeom>
-            <a:noFill/>
+            <a:solidFill>
+              <a:srgbClr val="4DADFF"/>
+            </a:solidFill>
+            <a:ln w="3175">
+              <a:solidFill>
+                <a:schemeClr val="bg1">
+                  <a:lumMod val="65000"/>
+                </a:schemeClr>
+              </a:solidFill>
+            </a:ln>
           </p:spPr>
+          <p:style>
+            <a:lnRef idx="2">
+              <a:schemeClr val="accent1">
+                <a:shade val="50000"/>
+              </a:schemeClr>
+            </a:lnRef>
+            <a:fillRef idx="1">
+              <a:schemeClr val="accent1"/>
+            </a:fillRef>
+            <a:effectRef idx="0">
+              <a:schemeClr val="accent1"/>
+            </a:effectRef>
+            <a:fontRef idx="minor">
+              <a:schemeClr val="lt1"/>
+            </a:fontRef>
+          </p:style>
           <p:txBody>
-            <a:bodyPr wrap="square" rtlCol="0">
-              <a:spAutoFit/>
-            </a:bodyPr>
+            <a:bodyPr rtlCol="0" anchor="ctr"/>
             <a:lstStyle/>
             <a:p>
-              <a:r>
-                <a:rPr lang="en-US" altLang="ko-KR" sz="700" dirty="0">
-                  <a:solidFill>
-                    <a:schemeClr val="accent2">
-                      <a:lumMod val="75000"/>
-                    </a:schemeClr>
-                  </a:solidFill>
-                </a:rPr>
-                <a:t>23.8</a:t>
-              </a:r>
-              <a:endParaRPr lang="ko-KR" altLang="en-US" sz="700" dirty="0">
-                <a:solidFill>
-                  <a:schemeClr val="accent2">
-                    <a:lumMod val="75000"/>
-                  </a:schemeClr>
-                </a:solidFill>
-              </a:endParaRPr>
+              <a:pPr algn="ctr"/>
+              <a:endParaRPr lang="ko-KR" altLang="en-US"/>
             </a:p>
           </p:txBody>
         </p:sp>
         <p:sp>
           <p:nvSpPr>
-            <p:cNvPr id="89" name="TextBox 88">
+            <p:cNvPr id="93" name="눈물 방울 92">
               <a:extLst>
                 <a:ext uri="{FF2B5EF4-FFF2-40B4-BE49-F238E27FC236}">
-                  <a16:creationId xmlns:a16="http://schemas.microsoft.com/office/drawing/2014/main" id="{E8424B64-8E5F-443C-99CD-EE7597B655D3}"/>
+                  <a16:creationId xmlns:a16="http://schemas.microsoft.com/office/drawing/2014/main" id="{48BF4E90-FAD9-433F-A845-863BEB785285}"/>
                 </a:ext>
               </a:extLst>
             </p:cNvPr>
-            <p:cNvSpPr txBox="1"/>
+            <p:cNvSpPr/>
             <p:nvPr/>
           </p:nvSpPr>
           <p:spPr>
             <a:xfrm>
-              <a:off x="2191693" y="2867892"/>
-              <a:ext cx="375213" cy="200055"/>
+              <a:off x="1697134" y="3362863"/>
+              <a:ext cx="45720" cy="45722"/>
             </a:xfrm>
-            <a:prstGeom prst="rect">
-              <a:avLst/>
+            <a:prstGeom prst="teardrop">
+              <a:avLst>
+                <a:gd name="adj" fmla="val 125345"/>
+              </a:avLst>
             </a:prstGeom>
-            <a:noFill/>
+            <a:solidFill>
+              <a:srgbClr val="4DADFF"/>
+            </a:solidFill>
+            <a:ln w="3175">
+              <a:solidFill>
+                <a:schemeClr val="bg1">
+                  <a:lumMod val="65000"/>
+                </a:schemeClr>
+              </a:solidFill>
+            </a:ln>
           </p:spPr>
+          <p:style>
+            <a:lnRef idx="2">
+              <a:schemeClr val="accent1">
+                <a:shade val="50000"/>
+              </a:schemeClr>
+            </a:lnRef>
+            <a:fillRef idx="1">
+              <a:schemeClr val="accent1"/>
+            </a:fillRef>
+            <a:effectRef idx="0">
+              <a:schemeClr val="accent1"/>
+            </a:effectRef>
+            <a:fontRef idx="minor">
+              <a:schemeClr val="lt1"/>
+            </a:fontRef>
+          </p:style>
           <p:txBody>
-            <a:bodyPr wrap="square" rtlCol="0">
-              <a:spAutoFit/>
-            </a:bodyPr>
+            <a:bodyPr rtlCol="0" anchor="ctr"/>
             <a:lstStyle/>
             <a:p>
-              <a:r>
-                <a:rPr lang="ko-KR" altLang="en-US" sz="700" b="1" dirty="0">
-                  <a:solidFill>
-                    <a:schemeClr val="bg2">
-                      <a:lumMod val="50000"/>
-                    </a:schemeClr>
-                  </a:solidFill>
-                  <a:latin typeface="HY견고딕" panose="02030600000101010101" pitchFamily="18" charset="-127"/>
-                  <a:ea typeface="HY견고딕" panose="02030600000101010101" pitchFamily="18" charset="-127"/>
-                </a:rPr>
-                <a:t>서울</a:t>
-              </a:r>
+              <a:pPr algn="ctr"/>
+              <a:endParaRPr lang="ko-KR" altLang="en-US"/>
             </a:p>
           </p:txBody>
         </p:sp>
-        <p:grpSp>
-          <p:nvGrpSpPr>
-            <p:cNvPr id="90" name="그룹 89">
-              <a:extLst>
-                <a:ext uri="{FF2B5EF4-FFF2-40B4-BE49-F238E27FC236}">
-                  <a16:creationId xmlns:a16="http://schemas.microsoft.com/office/drawing/2014/main" id="{EA381728-8504-4A2A-BDAF-B690AD4FF201}"/>
-                </a:ext>
-              </a:extLst>
-            </p:cNvPr>
-            <p:cNvGrpSpPr/>
-            <p:nvPr/>
-          </p:nvGrpSpPr>
-          <p:grpSpPr>
-            <a:xfrm>
-              <a:off x="2326867" y="3060811"/>
-              <a:ext cx="104864" cy="105203"/>
-              <a:chOff x="1637990" y="3303382"/>
-              <a:chExt cx="104864" cy="105203"/>
-            </a:xfrm>
-            <a:effectLst>
-              <a:outerShdw blurRad="50800" dist="38100" dir="8100000" sx="85000" sy="85000" algn="tr" rotWithShape="0">
-                <a:prstClr val="black">
-                  <a:alpha val="40000"/>
-                </a:prstClr>
-              </a:outerShdw>
-            </a:effectLst>
-          </p:grpSpPr>
-          <p:sp>
-            <p:nvSpPr>
-              <p:cNvPr id="91" name="눈물 방울 90">
-                <a:extLst>
-                  <a:ext uri="{FF2B5EF4-FFF2-40B4-BE49-F238E27FC236}">
-                    <a16:creationId xmlns:a16="http://schemas.microsoft.com/office/drawing/2014/main" id="{8FC81B59-57C1-4E83-A7A1-0CE163FC218D}"/>
-                  </a:ext>
-                </a:extLst>
-              </p:cNvPr>
-              <p:cNvSpPr/>
-              <p:nvPr/>
-            </p:nvSpPr>
-            <p:spPr>
-              <a:xfrm>
-                <a:off x="1637990" y="3303382"/>
-                <a:ext cx="45720" cy="45722"/>
-              </a:xfrm>
-              <a:prstGeom prst="teardrop">
-                <a:avLst>
-                  <a:gd name="adj" fmla="val 125345"/>
-                </a:avLst>
-              </a:prstGeom>
-              <a:solidFill>
-                <a:srgbClr val="4DADFF"/>
-              </a:solidFill>
-              <a:ln w="3175">
-                <a:solidFill>
-                  <a:schemeClr val="bg1">
-                    <a:lumMod val="65000"/>
-                  </a:schemeClr>
-                </a:solidFill>
-              </a:ln>
-            </p:spPr>
-            <p:style>
-              <a:lnRef idx="2">
-                <a:schemeClr val="accent1">
-                  <a:shade val="50000"/>
-                </a:schemeClr>
-              </a:lnRef>
-              <a:fillRef idx="1">
-                <a:schemeClr val="accent1"/>
-              </a:fillRef>
-              <a:effectRef idx="0">
-                <a:schemeClr val="accent1"/>
-              </a:effectRef>
-              <a:fontRef idx="minor">
-                <a:schemeClr val="lt1"/>
-              </a:fontRef>
-            </p:style>
-            <p:txBody>
-              <a:bodyPr rtlCol="0" anchor="ctr"/>
-              <a:lstStyle/>
-              <a:p>
-                <a:pPr algn="ctr"/>
-                <a:endParaRPr lang="ko-KR" altLang="en-US"/>
-              </a:p>
-            </p:txBody>
-          </p:sp>
-          <p:sp>
-            <p:nvSpPr>
-              <p:cNvPr id="92" name="눈물 방울 91">
-                <a:extLst>
-                  <a:ext uri="{FF2B5EF4-FFF2-40B4-BE49-F238E27FC236}">
-                    <a16:creationId xmlns:a16="http://schemas.microsoft.com/office/drawing/2014/main" id="{633DB36A-E482-42BC-B574-714F03000C3D}"/>
-                  </a:ext>
-                </a:extLst>
-              </p:cNvPr>
-              <p:cNvSpPr/>
-              <p:nvPr/>
-            </p:nvSpPr>
-            <p:spPr>
-              <a:xfrm>
-                <a:off x="1637990" y="3362863"/>
-                <a:ext cx="45720" cy="45722"/>
-              </a:xfrm>
-              <a:prstGeom prst="teardrop">
-                <a:avLst>
-                  <a:gd name="adj" fmla="val 125345"/>
-                </a:avLst>
-              </a:prstGeom>
-              <a:solidFill>
-                <a:srgbClr val="4DADFF"/>
-              </a:solidFill>
-              <a:ln w="3175">
-                <a:solidFill>
-                  <a:schemeClr val="bg1">
-                    <a:lumMod val="65000"/>
-                  </a:schemeClr>
-                </a:solidFill>
-              </a:ln>
-            </p:spPr>
-            <p:style>
-              <a:lnRef idx="2">
-                <a:schemeClr val="accent1">
-                  <a:shade val="50000"/>
-                </a:schemeClr>
-              </a:lnRef>
-              <a:fillRef idx="1">
-                <a:schemeClr val="accent1"/>
-              </a:fillRef>
-              <a:effectRef idx="0">
-                <a:schemeClr val="accent1"/>
-              </a:effectRef>
-              <a:fontRef idx="minor">
-                <a:schemeClr val="lt1"/>
-              </a:fontRef>
-            </p:style>
-            <p:txBody>
-              <a:bodyPr rtlCol="0" anchor="ctr"/>
-              <a:lstStyle/>
-              <a:p>
-                <a:pPr algn="ctr"/>
-                <a:endParaRPr lang="ko-KR" altLang="en-US"/>
-              </a:p>
-            </p:txBody>
-          </p:sp>
-          <p:sp>
-            <p:nvSpPr>
-              <p:cNvPr id="93" name="눈물 방울 92">
-                <a:extLst>
-                  <a:ext uri="{FF2B5EF4-FFF2-40B4-BE49-F238E27FC236}">
-                    <a16:creationId xmlns:a16="http://schemas.microsoft.com/office/drawing/2014/main" id="{48BF4E90-FAD9-433F-A845-863BEB785285}"/>
-                  </a:ext>
-                </a:extLst>
-              </p:cNvPr>
-              <p:cNvSpPr/>
-              <p:nvPr/>
-            </p:nvSpPr>
-            <p:spPr>
-              <a:xfrm>
-                <a:off x="1697134" y="3362863"/>
-                <a:ext cx="45720" cy="45722"/>
-              </a:xfrm>
-              <a:prstGeom prst="teardrop">
-                <a:avLst>
-                  <a:gd name="adj" fmla="val 125345"/>
-                </a:avLst>
-              </a:prstGeom>
-              <a:solidFill>
-                <a:srgbClr val="4DADFF"/>
-              </a:solidFill>
-              <a:ln w="3175">
-                <a:solidFill>
-                  <a:schemeClr val="bg1">
-                    <a:lumMod val="65000"/>
-                  </a:schemeClr>
-                </a:solidFill>
-              </a:ln>
-            </p:spPr>
-            <p:style>
-              <a:lnRef idx="2">
-                <a:schemeClr val="accent1">
-                  <a:shade val="50000"/>
-                </a:schemeClr>
-              </a:lnRef>
-              <a:fillRef idx="1">
-                <a:schemeClr val="accent1"/>
-              </a:fillRef>
-              <a:effectRef idx="0">
-                <a:schemeClr val="accent1"/>
-              </a:effectRef>
-              <a:fontRef idx="minor">
-                <a:schemeClr val="lt1"/>
-              </a:fontRef>
-            </p:style>
-            <p:txBody>
-              <a:bodyPr rtlCol="0" anchor="ctr"/>
-              <a:lstStyle/>
-              <a:p>
-                <a:pPr algn="ctr"/>
-                <a:endParaRPr lang="ko-KR" altLang="en-US"/>
-              </a:p>
-            </p:txBody>
-          </p:sp>
-        </p:grpSp>
       </p:grpSp>
       <p:grpSp>
         <p:nvGrpSpPr>
@@ -15485,7 +15464,7 @@
         </p:nvGrpSpPr>
         <p:grpSpPr>
           <a:xfrm>
-            <a:off x="6578809" y="2993698"/>
+            <a:off x="6578809" y="3038719"/>
             <a:ext cx="375213" cy="497653"/>
             <a:chOff x="2191693" y="2867892"/>
             <a:chExt cx="375213" cy="497653"/>
